--- a/LC/LC 28  cinetique electrochimique (CPGE)/LC 28 diapo.pptx
+++ b/LC/LC 28  cinetique electrochimique (CPGE)/LC 28 diapo.pptx
@@ -211,7 +211,7 @@
           <a:p>
             <a:fld id="{E92782F5-A916-4653-9283-0B21DAE59FD2}" type="datetimeFigureOut">
               <a:rPr lang="fr-FR" smtClean="0"/>
-              <a:t>2020-04-27</a:t>
+              <a:t>2020-05-08</a:t>
             </a:fld>
             <a:endParaRPr lang="fr-FR"/>
           </a:p>
@@ -3304,15 +3304,15 @@
       </p:sp>
       <p:pic>
         <p:nvPicPr>
-          <p:cNvPr id="4" name="Image 3">
+          <p:cNvPr id="5" name="Espace réservé du contenu 3">
             <a:extLst>
               <a:ext uri="{FF2B5EF4-FFF2-40B4-BE49-F238E27FC236}">
-                <a16:creationId xmlns:a16="http://schemas.microsoft.com/office/drawing/2014/main" id="{A8AF7F48-5B06-4EEF-9AAD-77FC7616B3D6}"/>
+                <a16:creationId xmlns:a16="http://schemas.microsoft.com/office/drawing/2014/main" id="{FAF1B28B-3252-492C-A0FC-CC444BB45071}"/>
               </a:ext>
             </a:extLst>
           </p:cNvPr>
           <p:cNvPicPr>
-            <a:picLocks noChangeAspect="1"/>
+            <a:picLocks noGrp="1" noChangeAspect="1"/>
           </p:cNvPicPr>
           <p:nvPr/>
         </p:nvPicPr>
@@ -3324,8 +3324,8 @@
         </p:blipFill>
         <p:spPr>
           <a:xfrm>
-            <a:off x="478633" y="1074044"/>
-            <a:ext cx="7539749" cy="3421756"/>
+            <a:off x="0" y="1112804"/>
+            <a:ext cx="8892033" cy="3345803"/>
           </a:xfrm>
           <a:prstGeom prst="rect">
             <a:avLst/>
@@ -3501,7 +3501,7 @@
                 </a:xfrm>
                 <a:extLst>
                   <a:ext uri="{0CCBE362-F206-4b92-989A-16890622DB6E}">
-                    <ma14:wrappingTextBoxFlag xmlns="" xmlns:ma14="http://schemas.microsoft.com/office/mac/drawingml/2011/main" val="1"/>
+                    <ma14:wrappingTextBoxFlag xmlns:ma14="http://schemas.microsoft.com/office/mac/drawingml/2011/main" xmlns="" val="1"/>
                   </a:ext>
                 </a:extLst>
               </p:grpSpPr>
@@ -4441,7 +4441,7 @@
                       <a:effectLst/>
                       <a:extLst>
                         <a:ext uri="{C572A759-6A51-4108-AA02-DFA0A04FC94B}">
-                          <ma14:wrappingTextBoxFlag xmlns="" xmlns:ma14="http://schemas.microsoft.com/office/mac/drawingml/2011/main" val="1"/>
+                          <ma14:wrappingTextBoxFlag xmlns:ma14="http://schemas.microsoft.com/office/mac/drawingml/2011/main" xmlns="" val="1"/>
                         </a:ext>
                       </a:extLst>
                     </p:spPr>
@@ -4527,7 +4527,7 @@
                       <a:effectLst/>
                       <a:extLst>
                         <a:ext uri="{C572A759-6A51-4108-AA02-DFA0A04FC94B}">
-                          <ma14:wrappingTextBoxFlag xmlns="" xmlns:ma14="http://schemas.microsoft.com/office/mac/drawingml/2011/main" val="1"/>
+                          <ma14:wrappingTextBoxFlag xmlns:ma14="http://schemas.microsoft.com/office/mac/drawingml/2011/main" xmlns="" val="1"/>
                         </a:ext>
                       </a:extLst>
                     </p:spPr>
@@ -4613,7 +4613,7 @@
                       <a:effectLst/>
                       <a:extLst>
                         <a:ext uri="{C572A759-6A51-4108-AA02-DFA0A04FC94B}">
-                          <ma14:wrappingTextBoxFlag xmlns="" xmlns:ma14="http://schemas.microsoft.com/office/mac/drawingml/2011/main" val="1"/>
+                          <ma14:wrappingTextBoxFlag xmlns:ma14="http://schemas.microsoft.com/office/mac/drawingml/2011/main" xmlns="" val="1"/>
                         </a:ext>
                       </a:extLst>
                     </p:spPr>
@@ -9573,8 +9573,8 @@
           </a:p>
         </p:txBody>
       </p:sp>
-      <mc:AlternateContent xmlns:mc="http://schemas.openxmlformats.org/markup-compatibility/2006">
-        <mc:Choice xmlns:a14="http://schemas.microsoft.com/office/drawing/2010/main" Requires="a14">
+      <mc:AlternateContent xmlns:mc="http://schemas.openxmlformats.org/markup-compatibility/2006" xmlns:a14="http://schemas.microsoft.com/office/drawing/2010/main">
+        <mc:Choice Requires="a14">
           <p:sp>
             <p:nvSpPr>
               <p:cNvPr id="5" name="ZoneTexte 4">
@@ -9867,7 +9867,7 @@
             </p:txBody>
           </p:sp>
         </mc:Choice>
-        <mc:Fallback>
+        <mc:Fallback xmlns="">
           <p:sp>
             <p:nvSpPr>
               <p:cNvPr id="5" name="ZoneTexte 4">
@@ -9947,8 +9947,8 @@
           </a:p>
         </p:txBody>
       </p:sp>
-      <mc:AlternateContent xmlns:mc="http://schemas.openxmlformats.org/markup-compatibility/2006">
-        <mc:Choice xmlns:a14="http://schemas.microsoft.com/office/drawing/2010/main" Requires="a14">
+      <mc:AlternateContent xmlns:mc="http://schemas.openxmlformats.org/markup-compatibility/2006" xmlns:a14="http://schemas.microsoft.com/office/drawing/2010/main">
+        <mc:Choice Requires="a14">
           <p:sp>
             <p:nvSpPr>
               <p:cNvPr id="8" name="Rectangle 7">
@@ -10022,13 +10022,7 @@
                           <a:rPr lang="fr-FR" i="1">
                             <a:latin typeface="Cambria Math" panose="02040503050406030204" pitchFamily="18" charset="0"/>
                           </a:rPr>
-                          <m:t>𝑆</m:t>
-                        </m:r>
-                        <m:r>
-                          <a:rPr lang="fr-FR" i="1">
-                            <a:latin typeface="Cambria Math" panose="02040503050406030204" pitchFamily="18" charset="0"/>
-                          </a:rPr>
-                          <m:t>𝐹</m:t>
+                          <m:t>𝑆𝐹</m:t>
                         </m:r>
                       </m:den>
                     </m:f>
@@ -10117,13 +10111,7 @@
                           <a:rPr lang="fr-FR" i="1">
                             <a:latin typeface="Cambria Math" panose="02040503050406030204" pitchFamily="18" charset="0"/>
                           </a:rPr>
-                          <m:t>𝑆</m:t>
-                        </m:r>
-                        <m:r>
-                          <a:rPr lang="fr-FR" i="1">
-                            <a:latin typeface="Cambria Math" panose="02040503050406030204" pitchFamily="18" charset="0"/>
-                          </a:rPr>
-                          <m:t>𝐹</m:t>
+                          <m:t>𝑆𝐹</m:t>
                         </m:r>
                       </m:den>
                     </m:f>
@@ -10223,7 +10211,7 @@
             </p:txBody>
           </p:sp>
         </mc:Choice>
-        <mc:Fallback>
+        <mc:Fallback xmlns="">
           <p:sp>
             <p:nvSpPr>
               <p:cNvPr id="8" name="Rectangle 7">
@@ -10312,8 +10300,8 @@
           </a:p>
         </p:txBody>
       </p:sp>
-      <mc:AlternateContent xmlns:mc="http://schemas.openxmlformats.org/markup-compatibility/2006">
-        <mc:Choice xmlns:a14="http://schemas.microsoft.com/office/drawing/2010/main" Requires="a14">
+      <mc:AlternateContent xmlns:mc="http://schemas.openxmlformats.org/markup-compatibility/2006" xmlns:a14="http://schemas.microsoft.com/office/drawing/2010/main">
+        <mc:Choice Requires="a14">
           <p:sp>
             <p:nvSpPr>
               <p:cNvPr id="10" name="ZoneTexte 9">
@@ -10711,7 +10699,7 @@
             </p:txBody>
           </p:sp>
         </mc:Choice>
-        <mc:Fallback>
+        <mc:Fallback xmlns="">
           <p:sp>
             <p:nvSpPr>
               <p:cNvPr id="10" name="ZoneTexte 9">
@@ -10756,8 +10744,8 @@
           </p:sp>
         </mc:Fallback>
       </mc:AlternateContent>
-      <mc:AlternateContent xmlns:mc="http://schemas.openxmlformats.org/markup-compatibility/2006">
-        <mc:Choice xmlns:a14="http://schemas.microsoft.com/office/drawing/2010/main" Requires="a14">
+      <mc:AlternateContent xmlns:mc="http://schemas.openxmlformats.org/markup-compatibility/2006" xmlns:a14="http://schemas.microsoft.com/office/drawing/2010/main">
+        <mc:Choice Requires="a14">
           <p:sp>
             <p:nvSpPr>
               <p:cNvPr id="11" name="Rectangle 10">
@@ -10831,13 +10819,7 @@
                           <a:rPr lang="fr-FR" i="1">
                             <a:latin typeface="Cambria Math" panose="02040503050406030204" pitchFamily="18" charset="0"/>
                           </a:rPr>
-                          <m:t>𝑆</m:t>
-                        </m:r>
-                        <m:r>
-                          <a:rPr lang="fr-FR" i="1">
-                            <a:latin typeface="Cambria Math" panose="02040503050406030204" pitchFamily="18" charset="0"/>
-                          </a:rPr>
-                          <m:t>𝐹</m:t>
+                          <m:t>𝑆𝐹</m:t>
                         </m:r>
                       </m:den>
                     </m:f>
@@ -10937,7 +10919,7 @@
             </p:txBody>
           </p:sp>
         </mc:Choice>
-        <mc:Fallback>
+        <mc:Fallback xmlns="">
           <p:sp>
             <p:nvSpPr>
               <p:cNvPr id="11" name="Rectangle 10">
@@ -11510,8 +11492,8 @@
           </a:p>
         </p:txBody>
       </p:sp>
-      <mc:AlternateContent xmlns:mc="http://schemas.openxmlformats.org/markup-compatibility/2006">
-        <mc:Choice xmlns:a14="http://schemas.microsoft.com/office/drawing/2010/main" Requires="a14">
+      <mc:AlternateContent xmlns:mc="http://schemas.openxmlformats.org/markup-compatibility/2006" xmlns:a14="http://schemas.microsoft.com/office/drawing/2010/main">
+        <mc:Choice Requires="a14">
           <p:sp>
             <p:nvSpPr>
               <p:cNvPr id="4" name="Rectangle 3">
@@ -11549,7 +11531,7 @@
                       <m:dPr>
                         <m:begChr m:val=""/>
                         <m:ctrlPr>
-                          <a:rPr lang="fr-FR" sz="2000" b="1" smtClean="0">
+                          <a:rPr lang="fr-FR" sz="2000" b="1" i="1" smtClean="0">
                             <a:latin typeface="Cambria Math" panose="02040503050406030204" pitchFamily="18" charset="0"/>
                           </a:rPr>
                         </m:ctrlPr>
@@ -11559,7 +11541,7 @@
                           <m:accPr>
                             <m:chr m:val="⃗"/>
                             <m:ctrlPr>
-                              <a:rPr lang="fr-FR" sz="2000" b="1">
+                              <a:rPr lang="fr-FR" sz="2000" b="1" i="1">
                                 <a:latin typeface="Cambria Math" panose="02040503050406030204" pitchFamily="18" charset="0"/>
                               </a:rPr>
                             </m:ctrlPr>
@@ -11568,7 +11550,7 @@
                             <m:sSub>
                               <m:sSubPr>
                                 <m:ctrlPr>
-                                  <a:rPr lang="fr-FR" sz="2000" b="1">
+                                  <a:rPr lang="fr-FR" sz="2000" b="1" i="1">
                                     <a:latin typeface="Cambria Math" panose="02040503050406030204" pitchFamily="18" charset="0"/>
                                   </a:rPr>
                                 </m:ctrlPr>
@@ -11646,7 +11628,7 @@
             </p:txBody>
           </p:sp>
         </mc:Choice>
-        <mc:Fallback>
+        <mc:Fallback xmlns="">
           <p:sp>
             <p:nvSpPr>
               <p:cNvPr id="4" name="Rectangle 3">
@@ -11691,8 +11673,8 @@
           </p:sp>
         </mc:Fallback>
       </mc:AlternateContent>
-      <mc:AlternateContent xmlns:mc="http://schemas.openxmlformats.org/markup-compatibility/2006">
-        <mc:Choice xmlns:a14="http://schemas.microsoft.com/office/drawing/2010/main" Requires="a14">
+      <mc:AlternateContent xmlns:mc="http://schemas.openxmlformats.org/markup-compatibility/2006" xmlns:a14="http://schemas.microsoft.com/office/drawing/2010/main">
+        <mc:Choice Requires="a14">
           <p:sp>
             <p:nvSpPr>
               <p:cNvPr id="5" name="Rectangle 4">
@@ -12114,7 +12096,7 @@
             </p:txBody>
           </p:sp>
         </mc:Choice>
-        <mc:Fallback>
+        <mc:Fallback xmlns="">
           <p:sp>
             <p:nvSpPr>
               <p:cNvPr id="5" name="Rectangle 4">
@@ -12159,8 +12141,8 @@
           </p:sp>
         </mc:Fallback>
       </mc:AlternateContent>
-      <mc:AlternateContent xmlns:mc="http://schemas.openxmlformats.org/markup-compatibility/2006">
-        <mc:Choice xmlns:a14="http://schemas.microsoft.com/office/drawing/2010/main" Requires="a14">
+      <mc:AlternateContent xmlns:mc="http://schemas.openxmlformats.org/markup-compatibility/2006" xmlns:a14="http://schemas.microsoft.com/office/drawing/2010/main">
+        <mc:Choice Requires="a14">
           <p:sp>
             <p:nvSpPr>
               <p:cNvPr id="6" name="Rectangle 5">
@@ -12438,7 +12420,7 @@
             </p:txBody>
           </p:sp>
         </mc:Choice>
-        <mc:Fallback>
+        <mc:Fallback xmlns="">
           <p:sp>
             <p:nvSpPr>
               <p:cNvPr id="6" name="Rectangle 5">
@@ -12483,8 +12465,8 @@
           </p:sp>
         </mc:Fallback>
       </mc:AlternateContent>
-      <mc:AlternateContent xmlns:mc="http://schemas.openxmlformats.org/markup-compatibility/2006">
-        <mc:Choice xmlns:a14="http://schemas.microsoft.com/office/drawing/2010/main" Requires="a14">
+      <mc:AlternateContent xmlns:mc="http://schemas.openxmlformats.org/markup-compatibility/2006" xmlns:a14="http://schemas.microsoft.com/office/drawing/2010/main">
+        <mc:Choice Requires="a14">
           <p:sp>
             <p:nvSpPr>
               <p:cNvPr id="8" name="ZoneTexte 7">
@@ -12958,7 +12940,7 @@
             </p:txBody>
           </p:sp>
         </mc:Choice>
-        <mc:Fallback>
+        <mc:Fallback xmlns="">
           <p:sp>
             <p:nvSpPr>
               <p:cNvPr id="8" name="ZoneTexte 7">
